--- a/Push notification using web services.pptx
+++ b/Push notification using web services.pptx
@@ -5,10 +5,10 @@
     <p:sldMasterId id="2147484223" r:id="rId1"/>
   </p:sldMasterIdLst>
   <p:notesMasterIdLst>
-    <p:notesMasterId r:id="rId19"/>
+    <p:notesMasterId r:id="rId20"/>
   </p:notesMasterIdLst>
   <p:handoutMasterIdLst>
-    <p:handoutMasterId r:id="rId20"/>
+    <p:handoutMasterId r:id="rId21"/>
   </p:handoutMasterIdLst>
   <p:sldIdLst>
     <p:sldId id="492" r:id="rId2"/>
@@ -21,13 +21,14 @@
     <p:sldId id="532" r:id="rId9"/>
     <p:sldId id="533" r:id="rId10"/>
     <p:sldId id="524" r:id="rId11"/>
-    <p:sldId id="534" r:id="rId12"/>
-    <p:sldId id="535" r:id="rId13"/>
-    <p:sldId id="536" r:id="rId14"/>
-    <p:sldId id="537" r:id="rId15"/>
-    <p:sldId id="520" r:id="rId16"/>
-    <p:sldId id="538" r:id="rId17"/>
-    <p:sldId id="521" r:id="rId18"/>
+    <p:sldId id="539" r:id="rId12"/>
+    <p:sldId id="534" r:id="rId13"/>
+    <p:sldId id="535" r:id="rId14"/>
+    <p:sldId id="536" r:id="rId15"/>
+    <p:sldId id="537" r:id="rId16"/>
+    <p:sldId id="520" r:id="rId17"/>
+    <p:sldId id="538" r:id="rId18"/>
+    <p:sldId id="521" r:id="rId19"/>
   </p:sldIdLst>
   <p:sldSz cx="9144000" cy="6858000" type="screen4x3"/>
   <p:notesSz cx="6797675" cy="9874250"/>
@@ -158,7 +159,7 @@
   </p:defaultTextStyle>
   <p:extLst>
     <p:ext uri="{EFAFB233-063F-42B5-8137-9DF3F51BA10A}">
-      <p15:sldGuideLst xmlns:p15="http://schemas.microsoft.com/office/powerpoint/2012/main" xmlns="">
+      <p15:sldGuideLst xmlns="" xmlns:p15="http://schemas.microsoft.com/office/powerpoint/2012/main">
         <p15:guide id="1" orient="horz" pos="2160">
           <p15:clr>
             <a:srgbClr val="A4A3A4"/>
@@ -172,7 +173,7 @@
       </p15:sldGuideLst>
     </p:ext>
     <p:ext uri="{2D200454-40CA-4A62-9FC3-DE9A4176ACB9}">
-      <p15:notesGuideLst xmlns:p15="http://schemas.microsoft.com/office/powerpoint/2012/main" xmlns="">
+      <p15:notesGuideLst xmlns="" xmlns:p15="http://schemas.microsoft.com/office/powerpoint/2012/main">
         <p15:guide id="1" orient="horz" pos="3110">
           <p15:clr>
             <a:srgbClr val="A4A3A4"/>
@@ -284,7 +285,7 @@
             <a:fld id="{D8DEE1C3-5B38-4F91-8080-F9065ADCEE06}" type="datetimeFigureOut">
               <a:rPr lang="en-US" altLang="en-US"/>
               <a:pPr/>
-              <a:t>2016/10/07</a:t>
+              <a:t>2016/10/08</a:t>
             </a:fld>
             <a:endParaRPr lang="en-US" altLang="en-US"/>
           </a:p>
@@ -997,7 +998,7 @@
             <a:fld id="{5B3EEDC4-0246-4F33-B080-BA8EAE15DB8F}" type="datetime1">
               <a:rPr lang="en-US" altLang="en-US"/>
               <a:pPr/>
-              <a:t>2016/10/07</a:t>
+              <a:t>2016/10/08</a:t>
             </a:fld>
             <a:endParaRPr lang="en-US" altLang="en-US"/>
           </a:p>
@@ -1292,7 +1293,7 @@
             <a:fld id="{33AF1553-779D-42F9-945B-EE30B847AFD3}" type="datetime1">
               <a:rPr lang="en-US" altLang="en-US"/>
               <a:pPr/>
-              <a:t>2016/10/07</a:t>
+              <a:t>2016/10/08</a:t>
             </a:fld>
             <a:endParaRPr lang="en-US" altLang="en-US"/>
           </a:p>
@@ -1582,7 +1583,7 @@
             <a:fld id="{6315559F-5935-4D73-A387-D4D22F72B227}" type="datetime1">
               <a:rPr lang="en-US" altLang="en-US"/>
               <a:pPr/>
-              <a:t>2016/10/07</a:t>
+              <a:t>2016/10/08</a:t>
             </a:fld>
             <a:endParaRPr lang="en-US" altLang="en-US"/>
           </a:p>
@@ -1864,7 +1865,7 @@
             <a:fld id="{D81A1EDB-1EA3-413E-8960-13D679CE3C29}" type="datetime1">
               <a:rPr lang="en-US" altLang="en-US"/>
               <a:pPr/>
-              <a:t>2016/10/07</a:t>
+              <a:t>2016/10/08</a:t>
             </a:fld>
             <a:endParaRPr lang="en-US" altLang="en-US"/>
           </a:p>
@@ -2273,7 +2274,7 @@
             <a:fld id="{87305D36-A326-4C46-A776-034E2C3F89C2}" type="datetime1">
               <a:rPr lang="en-US" altLang="en-US"/>
               <a:pPr/>
-              <a:t>2016/10/07</a:t>
+              <a:t>2016/10/08</a:t>
             </a:fld>
             <a:endParaRPr lang="en-US" altLang="en-US"/>
           </a:p>
@@ -2560,7 +2561,7 @@
             <a:fld id="{5994578B-EFE5-42DE-9EB6-5795C83D1568}" type="datetime1">
               <a:rPr lang="en-US" altLang="en-US"/>
               <a:pPr/>
-              <a:t>2016/10/07</a:t>
+              <a:t>2016/10/08</a:t>
             </a:fld>
             <a:endParaRPr lang="en-US" altLang="en-US"/>
           </a:p>
@@ -3133,7 +3134,7 @@
             <a:fld id="{E5EC52BB-0128-4521-AEA0-15A66BC2569F}" type="datetime1">
               <a:rPr lang="en-US" altLang="en-US"/>
               <a:pPr/>
-              <a:t>2016/10/07</a:t>
+              <a:t>2016/10/08</a:t>
             </a:fld>
             <a:endParaRPr lang="en-US" altLang="en-US"/>
           </a:p>
@@ -3941,7 +3942,7 @@
             <a:fld id="{F8472C1E-5618-4BB5-9E4A-2C550E0F766D}" type="datetime1">
               <a:rPr lang="en-US" altLang="en-US"/>
               <a:pPr/>
-              <a:t>2016/10/07</a:t>
+              <a:t>2016/10/08</a:t>
             </a:fld>
             <a:endParaRPr lang="en-US" altLang="en-US"/>
           </a:p>
@@ -4147,7 +4148,7 @@
             <a:fld id="{04714725-9023-4077-9617-D0BB2CE411F3}" type="datetime1">
               <a:rPr lang="en-US" altLang="en-US"/>
               <a:pPr/>
-              <a:t>2016/10/07</a:t>
+              <a:t>2016/10/08</a:t>
             </a:fld>
             <a:endParaRPr lang="en-US" altLang="en-US"/>
           </a:p>
@@ -4420,7 +4421,7 @@
             <a:fld id="{DD9C1FA7-B785-4CD3-91AE-D8F2B126F2B6}" type="datetime1">
               <a:rPr lang="en-US" altLang="en-US"/>
               <a:pPr/>
-              <a:t>2016/10/07</a:t>
+              <a:t>2016/10/08</a:t>
             </a:fld>
             <a:endParaRPr lang="en-US" altLang="en-US"/>
           </a:p>
@@ -4719,7 +4720,7 @@
             <a:fld id="{2ADF3D3F-3887-49FC-B902-3F0AA709A6D0}" type="datetime1">
               <a:rPr lang="en-US" altLang="en-US"/>
               <a:pPr/>
-              <a:t>2016/10/07</a:t>
+              <a:t>2016/10/08</a:t>
             </a:fld>
             <a:endParaRPr lang="en-US" altLang="en-US"/>
           </a:p>
@@ -5029,7 +5030,7 @@
             <a:fld id="{1EC55958-D1F8-482D-B117-3056EDAC3F73}" type="datetime1">
               <a:rPr lang="en-US" altLang="en-US"/>
               <a:pPr/>
-              <a:t>2016/10/07</a:t>
+              <a:t>2016/10/08</a:t>
             </a:fld>
             <a:endParaRPr lang="en-US" altLang="en-US"/>
           </a:p>
@@ -5296,7 +5297,7 @@
             <a:fld id="{28AFED6E-771A-450A-96B5-506D2F5F988C}" type="datetime1">
               <a:rPr lang="en-US" altLang="en-US"/>
               <a:pPr/>
-              <a:t>2016/10/07</a:t>
+              <a:t>2016/10/08</a:t>
             </a:fld>
             <a:endParaRPr lang="en-US" altLang="en-US"/>
           </a:p>
@@ -5705,7 +5706,7 @@
             <a:fld id="{7D043B8D-3B6D-4856-8A6D-2E7667FB3974}" type="datetime1">
               <a:rPr lang="en-US" altLang="en-US"/>
               <a:pPr/>
-              <a:t>2016/10/07</a:t>
+              <a:t>2016/10/08</a:t>
             </a:fld>
             <a:endParaRPr lang="en-US" altLang="en-US"/>
           </a:p>
@@ -5853,7 +5854,7 @@
             <a:fld id="{EC6023F4-560E-4277-851B-FE8FF0066212}" type="datetime1">
               <a:rPr lang="en-US" altLang="en-US"/>
               <a:pPr/>
-              <a:t>2016/10/07</a:t>
+              <a:t>2016/10/08</a:t>
             </a:fld>
             <a:endParaRPr lang="en-US" altLang="en-US"/>
           </a:p>
@@ -5978,7 +5979,7 @@
             <a:fld id="{309A6FD6-E033-4A1F-B2E7-C5F3BF988250}" type="datetime1">
               <a:rPr lang="en-US" altLang="en-US"/>
               <a:pPr/>
-              <a:t>2016/10/07</a:t>
+              <a:t>2016/10/08</a:t>
             </a:fld>
             <a:endParaRPr lang="en-US" altLang="en-US"/>
           </a:p>
@@ -6103,7 +6104,7 @@
             <a:fld id="{CAFD918E-47E3-488E-B6E9-6BBED9FECAF2}" type="datetime1">
               <a:rPr lang="en-US" altLang="en-US"/>
               <a:pPr/>
-              <a:t>2016/10/07</a:t>
+              <a:t>2016/10/08</a:t>
             </a:fld>
             <a:endParaRPr lang="en-US" altLang="en-US"/>
           </a:p>
@@ -6382,7 +6383,7 @@
             <a:fld id="{5A46AA03-5BB6-4381-A17F-0102D8746AF7}" type="datetime1">
               <a:rPr lang="en-US" altLang="en-US"/>
               <a:pPr/>
-              <a:t>2016/10/07</a:t>
+              <a:t>2016/10/08</a:t>
             </a:fld>
             <a:endParaRPr lang="en-US" altLang="en-US"/>
           </a:p>
@@ -6701,7 +6702,7 @@
             <a:fld id="{6F5C0681-748E-419A-9C5F-4B34B1497429}" type="datetime1">
               <a:rPr lang="en-US" altLang="en-US"/>
               <a:pPr/>
-              <a:t>2016/10/07</a:t>
+              <a:t>2016/10/08</a:t>
             </a:fld>
             <a:endParaRPr lang="en-US" altLang="en-US"/>
           </a:p>
@@ -7428,20 +7429,31 @@
         </p:nvSpPr>
         <p:spPr>
           <a:xfrm>
-            <a:off x="593724" y="381001"/>
+            <a:off x="609600" y="1066800"/>
             <a:ext cx="8169275" cy="762000"/>
           </a:xfrm>
         </p:spPr>
         <p:txBody>
           <a:bodyPr>
-            <a:normAutofit/>
+            <a:normAutofit fontScale="90000"/>
           </a:bodyPr>
           <a:lstStyle/>
           <a:p>
             <a:pPr algn="ctr"/>
             <a:r>
-              <a:rPr lang="en-US" dirty="0" err="1" smtClean="0"/>
-              <a:t>WebSocket</a:t>
+              <a:rPr lang="en-US" altLang="en-US" dirty="0" smtClean="0"/>
+              <a:t>Disadvantage of WCF Duplex</a:t>
+            </a:r>
+            <a:br>
+              <a:rPr lang="en-US" altLang="en-US" dirty="0" smtClean="0"/>
+            </a:br>
+            <a:r>
+              <a:rPr lang="en-US" altLang="en-US" dirty="0" smtClean="0"/>
+              <a:t>Service</a:t>
+            </a:r>
+            <a:r>
+              <a:rPr lang="en-US" altLang="en-US" dirty="0" smtClean="0"/>
+              <a:t> </a:t>
             </a:r>
             <a:endParaRPr lang="en-SG" dirty="0"/>
           </a:p>
@@ -7449,7 +7461,7 @@
       </p:sp>
       <p:sp>
         <p:nvSpPr>
-          <p:cNvPr id="3" name="Content Placeholder 2"/>
+          <p:cNvPr id="7" name="Content Placeholder 6"/>
           <p:cNvSpPr>
             <a:spLocks noGrp="1"/>
           </p:cNvSpPr>
@@ -7459,8 +7471,8 @@
         </p:nvSpPr>
         <p:spPr>
           <a:xfrm>
-            <a:off x="700086" y="1371600"/>
-            <a:ext cx="7956550" cy="4070350"/>
+            <a:off x="609600" y="2590800"/>
+            <a:ext cx="7788275" cy="2301875"/>
           </a:xfrm>
         </p:spPr>
         <p:txBody>
@@ -7468,57 +7480,33 @@
           <a:lstStyle/>
           <a:p>
             <a:r>
-              <a:rPr lang="en-US" altLang="en-US" sz="2400" dirty="0"/>
-              <a:t>It support full duplex communication between server and </a:t>
-            </a:r>
-            <a:r>
-              <a:rPr lang="en-US" altLang="en-US" sz="2400" dirty="0" smtClean="0"/>
-              <a:t>client.</a:t>
-            </a:r>
-          </a:p>
-          <a:p>
-            <a:r>
               <a:rPr lang="en-US" dirty="0" smtClean="0"/>
-              <a:t>It </a:t>
-            </a:r>
-            <a:r>
-              <a:rPr lang="en-US" dirty="0"/>
-              <a:t>can broadcast to every </a:t>
-            </a:r>
+              <a:t>It only support SOAP protocol. If client cannot use SOAP, that client cannot consume the service.</a:t>
+            </a:r>
+          </a:p>
+          <a:p>
             <a:r>
               <a:rPr lang="en-US" dirty="0" smtClean="0"/>
-              <a:t>clients</a:t>
-            </a:r>
-          </a:p>
-          <a:p>
-            <a:r>
-              <a:rPr lang="en-US" dirty="0"/>
-              <a:t>So, how to use the </a:t>
-            </a:r>
-            <a:r>
-              <a:rPr lang="en-US" dirty="0" err="1"/>
-              <a:t>websocket</a:t>
-            </a:r>
-            <a:r>
-              <a:rPr lang="en-US" dirty="0"/>
-              <a:t>, there is a API called </a:t>
-            </a:r>
-            <a:r>
-              <a:rPr lang="en-US" dirty="0" err="1"/>
-              <a:t>SignalR</a:t>
-            </a:r>
-            <a:r>
-              <a:rPr lang="en-US" dirty="0"/>
-              <a:t> developed by Microsoft.</a:t>
-            </a:r>
-            <a:endParaRPr lang="en-SG" dirty="0"/>
+              <a:t>But there is another alternative technology known as </a:t>
+            </a:r>
+            <a:r>
+              <a:rPr lang="en-US" b="1" dirty="0" err="1" smtClean="0"/>
+              <a:t>Websocket</a:t>
+            </a:r>
+            <a:r>
+              <a:rPr lang="en-US" dirty="0" smtClean="0"/>
+              <a:t>.</a:t>
+            </a:r>
+          </a:p>
+          <a:p>
+            <a:endParaRPr lang="en-US" dirty="0"/>
           </a:p>
         </p:txBody>
       </p:sp>
     </p:spTree>
     <p:extLst>
       <p:ext uri="{BB962C8B-B14F-4D97-AF65-F5344CB8AC3E}">
-        <p14:creationId xmlns:p14="http://schemas.microsoft.com/office/powerpoint/2010/main" val="2540812771"/>
+        <p14:creationId xmlns:p14="http://schemas.microsoft.com/office/powerpoint/2010/main" val="1903759552"/>
       </p:ext>
     </p:extLst>
   </p:cSld>
@@ -7576,12 +7564,8 @@
           <a:p>
             <a:pPr algn="ctr"/>
             <a:r>
-              <a:rPr lang="en-US" dirty="0" smtClean="0"/>
-              <a:t>Microsoft </a:t>
-            </a:r>
-            <a:r>
               <a:rPr lang="en-US" dirty="0" err="1" smtClean="0"/>
-              <a:t>SignalR</a:t>
+              <a:t>WebSocket</a:t>
             </a:r>
             <a:endParaRPr lang="en-SG" dirty="0"/>
           </a:p>
@@ -7608,98 +7592,48 @@
           <a:lstStyle/>
           <a:p>
             <a:r>
+              <a:rPr lang="en-US" altLang="en-US" sz="2400" dirty="0"/>
+              <a:t>It support full duplex communication between server and </a:t>
+            </a:r>
+            <a:r>
+              <a:rPr lang="en-US" altLang="en-US" sz="2400" dirty="0" smtClean="0"/>
+              <a:t>client.</a:t>
+            </a:r>
+          </a:p>
+          <a:p>
+            <a:r>
+              <a:rPr lang="en-US" dirty="0" smtClean="0"/>
+              <a:t>It </a:t>
+            </a:r>
+            <a:r>
+              <a:rPr lang="en-US" dirty="0"/>
+              <a:t>can broadcast to every </a:t>
+            </a:r>
+            <a:r>
+              <a:rPr lang="en-US" dirty="0" smtClean="0"/>
+              <a:t>clients</a:t>
+            </a:r>
+          </a:p>
+          <a:p>
+            <a:r>
+              <a:rPr lang="en-US" dirty="0"/>
+              <a:t>So, how to use the </a:t>
+            </a:r>
+            <a:r>
+              <a:rPr lang="en-US" dirty="0" err="1"/>
+              <a:t>websocket</a:t>
+            </a:r>
+            <a:r>
+              <a:rPr lang="en-US" dirty="0"/>
+              <a:t>, there is a API called </a:t>
+            </a:r>
+            <a:r>
               <a:rPr lang="en-US" dirty="0" err="1"/>
               <a:t>SignalR</a:t>
             </a:r>
             <a:r>
               <a:rPr lang="en-US" dirty="0"/>
-              <a:t> created on top of </a:t>
-            </a:r>
-            <a:r>
-              <a:rPr lang="en-US" dirty="0" err="1"/>
-              <a:t>WebSocket</a:t>
-            </a:r>
-            <a:r>
-              <a:rPr lang="en-US" dirty="0"/>
-              <a:t> </a:t>
-            </a:r>
-            <a:r>
-              <a:rPr lang="en-US" dirty="0" smtClean="0"/>
-              <a:t>technology. Whatever </a:t>
-            </a:r>
-            <a:r>
-              <a:rPr lang="en-US" dirty="0" err="1"/>
-              <a:t>websocket</a:t>
-            </a:r>
-            <a:r>
-              <a:rPr lang="en-US" dirty="0"/>
-              <a:t> can do, </a:t>
-            </a:r>
-            <a:r>
-              <a:rPr lang="en-US" dirty="0" err="1"/>
-              <a:t>SignalR</a:t>
-            </a:r>
-            <a:r>
-              <a:rPr lang="en-US" dirty="0"/>
-              <a:t> can also </a:t>
-            </a:r>
-            <a:r>
-              <a:rPr lang="en-US" dirty="0" smtClean="0"/>
-              <a:t>do.</a:t>
-            </a:r>
-          </a:p>
-          <a:p>
-            <a:r>
-              <a:rPr lang="en-US" dirty="0"/>
-              <a:t>Allow full duplex communication between client and </a:t>
-            </a:r>
-            <a:r>
-              <a:rPr lang="en-US" dirty="0" smtClean="0"/>
-              <a:t>server</a:t>
-            </a:r>
-          </a:p>
-          <a:p>
-            <a:r>
-              <a:rPr lang="en-US" dirty="0" smtClean="0"/>
-              <a:t>No </a:t>
-            </a:r>
-            <a:r>
-              <a:rPr lang="en-US" dirty="0"/>
-              <a:t>more binding </a:t>
-            </a:r>
-            <a:r>
-              <a:rPr lang="en-US" dirty="0" smtClean="0"/>
-              <a:t>is </a:t>
-            </a:r>
-            <a:r>
-              <a:rPr lang="en-US" dirty="0" err="1" smtClean="0"/>
-              <a:t>requred</a:t>
-            </a:r>
-            <a:r>
-              <a:rPr lang="en-US" dirty="0" smtClean="0"/>
-              <a:t> </a:t>
-            </a:r>
-            <a:r>
-              <a:rPr lang="en-US" dirty="0"/>
-              <a:t>which we needed in </a:t>
-            </a:r>
-            <a:r>
-              <a:rPr lang="en-US" dirty="0" smtClean="0"/>
-              <a:t>WCF.</a:t>
-            </a:r>
-          </a:p>
-          <a:p>
-            <a:r>
-              <a:rPr lang="en-US" dirty="0"/>
-              <a:t>It can integrated with </a:t>
-            </a:r>
-            <a:r>
-              <a:rPr lang="en-US" dirty="0" err="1"/>
-              <a:t>RESTful</a:t>
-            </a:r>
-            <a:r>
-              <a:rPr lang="en-US" dirty="0"/>
-              <a:t> service</a:t>
+              <a:t> developed by Microsoft.</a:t>
             </a:r>
             <a:endParaRPr lang="en-SG" dirty="0"/>
           </a:p>
@@ -7708,7 +7642,7 @@
     </p:spTree>
     <p:extLst>
       <p:ext uri="{BB962C8B-B14F-4D97-AF65-F5344CB8AC3E}">
-        <p14:creationId xmlns:p14="http://schemas.microsoft.com/office/powerpoint/2010/main" val="1984223961"/>
+        <p14:creationId xmlns:p14="http://schemas.microsoft.com/office/powerpoint/2010/main" val="2540812771"/>
       </p:ext>
     </p:extLst>
   </p:cSld>
@@ -7767,45 +7701,149 @@
             <a:pPr algn="ctr"/>
             <a:r>
               <a:rPr lang="en-US" dirty="0" smtClean="0"/>
-              <a:t>Service provider</a:t>
+              <a:t>Microsoft </a:t>
+            </a:r>
+            <a:r>
+              <a:rPr lang="en-US" dirty="0" err="1" smtClean="0"/>
+              <a:t>SignalR</a:t>
             </a:r>
             <a:endParaRPr lang="en-SG" dirty="0"/>
           </a:p>
         </p:txBody>
       </p:sp>
-      <p:pic>
-        <p:nvPicPr>
-          <p:cNvPr id="4" name="Content Placeholder 3"/>
-          <p:cNvPicPr>
-            <a:picLocks noGrp="1" noChangeAspect="1"/>
-          </p:cNvPicPr>
+      <p:sp>
+        <p:nvSpPr>
+          <p:cNvPr id="3" name="Content Placeholder 2"/>
+          <p:cNvSpPr>
+            <a:spLocks noGrp="1"/>
+          </p:cNvSpPr>
           <p:nvPr>
             <p:ph idx="1"/>
           </p:nvPr>
-        </p:nvPicPr>
-        <p:blipFill>
-          <a:blip r:embed="rId2">
-            <a:extLst>
-              <a:ext uri="{28A0092B-C50C-407E-A947-70E740481C1C}">
-                <a14:useLocalDpi xmlns:a14="http://schemas.microsoft.com/office/drawing/2010/main" val="0"/>
-              </a:ext>
-            </a:extLst>
-          </a:blip>
-          <a:stretch>
-            <a:fillRect/>
-          </a:stretch>
-        </p:blipFill>
-        <p:spPr>
-          <a:xfrm>
-            <a:off x="381000" y="1066800"/>
-            <a:ext cx="8382000" cy="4724400"/>
-          </a:xfrm>
-        </p:spPr>
-      </p:pic>
+        </p:nvSpPr>
+        <p:spPr>
+          <a:xfrm>
+            <a:off x="700086" y="1371600"/>
+            <a:ext cx="7956550" cy="4070350"/>
+          </a:xfrm>
+        </p:spPr>
+        <p:txBody>
+          <a:bodyPr/>
+          <a:lstStyle/>
+          <a:p>
+            <a:r>
+              <a:rPr lang="en-US" dirty="0" err="1"/>
+              <a:t>SignalR</a:t>
+            </a:r>
+            <a:r>
+              <a:rPr lang="en-US" dirty="0"/>
+              <a:t> created on top of </a:t>
+            </a:r>
+            <a:r>
+              <a:rPr lang="en-US" dirty="0" err="1"/>
+              <a:t>WebSocket</a:t>
+            </a:r>
+            <a:r>
+              <a:rPr lang="en-US" dirty="0"/>
+              <a:t> </a:t>
+            </a:r>
+            <a:r>
+              <a:rPr lang="en-US" dirty="0" smtClean="0"/>
+              <a:t>technology. Whatever </a:t>
+            </a:r>
+            <a:r>
+              <a:rPr lang="en-US" dirty="0" err="1"/>
+              <a:t>websocket</a:t>
+            </a:r>
+            <a:r>
+              <a:rPr lang="en-US" dirty="0"/>
+              <a:t> can do, </a:t>
+            </a:r>
+            <a:r>
+              <a:rPr lang="en-US" dirty="0" err="1"/>
+              <a:t>SignalR</a:t>
+            </a:r>
+            <a:r>
+              <a:rPr lang="en-US" dirty="0"/>
+              <a:t> can also </a:t>
+            </a:r>
+            <a:r>
+              <a:rPr lang="en-US" dirty="0" smtClean="0"/>
+              <a:t>do.</a:t>
+            </a:r>
+          </a:p>
+          <a:p>
+            <a:r>
+              <a:rPr lang="en-US" dirty="0"/>
+              <a:t>Allow full duplex communication between client and </a:t>
+            </a:r>
+            <a:r>
+              <a:rPr lang="en-US" dirty="0" smtClean="0"/>
+              <a:t>server</a:t>
+            </a:r>
+          </a:p>
+          <a:p>
+            <a:r>
+              <a:rPr lang="en-US" dirty="0" smtClean="0"/>
+              <a:t>No </a:t>
+            </a:r>
+            <a:r>
+              <a:rPr lang="en-US" dirty="0"/>
+              <a:t>more binding </a:t>
+            </a:r>
+            <a:r>
+              <a:rPr lang="en-US" dirty="0" smtClean="0"/>
+              <a:t>is </a:t>
+            </a:r>
+            <a:r>
+              <a:rPr lang="en-US" dirty="0" err="1" smtClean="0"/>
+              <a:t>requred</a:t>
+            </a:r>
+            <a:r>
+              <a:rPr lang="en-US" dirty="0" smtClean="0"/>
+              <a:t> </a:t>
+            </a:r>
+            <a:r>
+              <a:rPr lang="en-US" dirty="0"/>
+              <a:t>which we needed in </a:t>
+            </a:r>
+            <a:r>
+              <a:rPr lang="en-US" dirty="0" smtClean="0"/>
+              <a:t>WCF</a:t>
+            </a:r>
+            <a:r>
+              <a:rPr lang="en-US" dirty="0" smtClean="0"/>
+              <a:t>.</a:t>
+            </a:r>
+          </a:p>
+          <a:p>
+            <a:r>
+              <a:rPr lang="en-US" dirty="0" smtClean="0"/>
+              <a:t>No need complex configuration like we needed in WCF.</a:t>
+            </a:r>
+            <a:endParaRPr lang="en-US" dirty="0" smtClean="0"/>
+          </a:p>
+          <a:p>
+            <a:r>
+              <a:rPr lang="en-US" dirty="0"/>
+              <a:t>It can integrated with </a:t>
+            </a:r>
+            <a:r>
+              <a:rPr lang="en-US" dirty="0" err="1"/>
+              <a:t>RESTful</a:t>
+            </a:r>
+            <a:r>
+              <a:rPr lang="en-US" dirty="0"/>
+              <a:t> service</a:t>
+            </a:r>
+            <a:endParaRPr lang="en-SG" dirty="0"/>
+          </a:p>
+        </p:txBody>
+      </p:sp>
     </p:spTree>
     <p:extLst>
       <p:ext uri="{BB962C8B-B14F-4D97-AF65-F5344CB8AC3E}">
-        <p14:creationId xmlns:p14="http://schemas.microsoft.com/office/powerpoint/2010/main" val="2448925825"/>
+        <p14:creationId xmlns:p14="http://schemas.microsoft.com/office/powerpoint/2010/main" val="1984223961"/>
       </p:ext>
     </p:extLst>
   </p:cSld>
@@ -7864,7 +7902,7 @@
             <a:pPr algn="ctr"/>
             <a:r>
               <a:rPr lang="en-US" dirty="0" smtClean="0"/>
-              <a:t>Service Consumer</a:t>
+              <a:t>Service provider</a:t>
             </a:r>
             <a:endParaRPr lang="en-SG" dirty="0"/>
           </a:p>
@@ -7872,7 +7910,7 @@
       </p:sp>
       <p:pic>
         <p:nvPicPr>
-          <p:cNvPr id="5" name="Content Placeholder 4"/>
+          <p:cNvPr id="4" name="Content Placeholder 3"/>
           <p:cNvPicPr>
             <a:picLocks noGrp="1" noChangeAspect="1"/>
           </p:cNvPicPr>
@@ -7894,15 +7932,15 @@
         </p:blipFill>
         <p:spPr>
           <a:xfrm>
-            <a:off x="304800" y="990600"/>
-            <a:ext cx="8534400" cy="5273675"/>
+            <a:off x="381000" y="1066800"/>
+            <a:ext cx="8382000" cy="4724400"/>
           </a:xfrm>
         </p:spPr>
       </p:pic>
     </p:spTree>
     <p:extLst>
       <p:ext uri="{BB962C8B-B14F-4D97-AF65-F5344CB8AC3E}">
-        <p14:creationId xmlns:p14="http://schemas.microsoft.com/office/powerpoint/2010/main" val="4216659614"/>
+        <p14:creationId xmlns:p14="http://schemas.microsoft.com/office/powerpoint/2010/main" val="2448925825"/>
       </p:ext>
     </p:extLst>
   </p:cSld>
@@ -7948,8 +7986,8 @@
         </p:nvSpPr>
         <p:spPr>
           <a:xfrm>
-            <a:off x="593725" y="2224405"/>
-            <a:ext cx="7956550" cy="762000"/>
+            <a:off x="593724" y="381001"/>
+            <a:ext cx="8169275" cy="762000"/>
           </a:xfrm>
         </p:spPr>
         <p:txBody>
@@ -7961,16 +7999,45 @@
             <a:pPr algn="ctr"/>
             <a:r>
               <a:rPr lang="en-US" dirty="0" smtClean="0"/>
-              <a:t>Sample Source Codes</a:t>
+              <a:t>Service Consumer</a:t>
             </a:r>
             <a:endParaRPr lang="en-SG" dirty="0"/>
           </a:p>
         </p:txBody>
       </p:sp>
+      <p:pic>
+        <p:nvPicPr>
+          <p:cNvPr id="5" name="Content Placeholder 4"/>
+          <p:cNvPicPr>
+            <a:picLocks noGrp="1" noChangeAspect="1"/>
+          </p:cNvPicPr>
+          <p:nvPr>
+            <p:ph idx="1"/>
+          </p:nvPr>
+        </p:nvPicPr>
+        <p:blipFill>
+          <a:blip r:embed="rId2">
+            <a:extLst>
+              <a:ext uri="{28A0092B-C50C-407E-A947-70E740481C1C}">
+                <a14:useLocalDpi xmlns:a14="http://schemas.microsoft.com/office/drawing/2010/main" val="0"/>
+              </a:ext>
+            </a:extLst>
+          </a:blip>
+          <a:stretch>
+            <a:fillRect/>
+          </a:stretch>
+        </p:blipFill>
+        <p:spPr>
+          <a:xfrm>
+            <a:off x="304800" y="990600"/>
+            <a:ext cx="8534400" cy="5273675"/>
+          </a:xfrm>
+        </p:spPr>
+      </p:pic>
     </p:spTree>
     <p:extLst>
       <p:ext uri="{BB962C8B-B14F-4D97-AF65-F5344CB8AC3E}">
-        <p14:creationId xmlns:p14="http://schemas.microsoft.com/office/powerpoint/2010/main" val="517561731"/>
+        <p14:creationId xmlns:p14="http://schemas.microsoft.com/office/powerpoint/2010/main" val="4216659614"/>
       </p:ext>
     </p:extLst>
   </p:cSld>
@@ -8029,6 +8096,74 @@
             <a:pPr algn="ctr"/>
             <a:r>
               <a:rPr lang="en-US" dirty="0" smtClean="0"/>
+              <a:t>Sample Source Codes</a:t>
+            </a:r>
+            <a:endParaRPr lang="en-SG" dirty="0"/>
+          </a:p>
+        </p:txBody>
+      </p:sp>
+    </p:spTree>
+    <p:extLst>
+      <p:ext uri="{BB962C8B-B14F-4D97-AF65-F5344CB8AC3E}">
+        <p14:creationId xmlns:p14="http://schemas.microsoft.com/office/powerpoint/2010/main" val="517561731"/>
+      </p:ext>
+    </p:extLst>
+  </p:cSld>
+  <p:clrMapOvr>
+    <a:masterClrMapping/>
+  </p:clrMapOvr>
+  <p:timing>
+    <p:tnLst>
+      <p:par>
+        <p:cTn id="1" dur="indefinite" restart="never" nodeType="tmRoot"/>
+      </p:par>
+    </p:tnLst>
+  </p:timing>
+</p:sld>
+</file>
+
+<file path=ppt/slides/slide17.xml><?xml version="1.0" encoding="utf-8"?>
+<p:sld xmlns:a="http://schemas.openxmlformats.org/drawingml/2006/main" xmlns:r="http://schemas.openxmlformats.org/officeDocument/2006/relationships" xmlns:p="http://schemas.openxmlformats.org/presentationml/2006/main">
+  <p:cSld>
+    <p:spTree>
+      <p:nvGrpSpPr>
+        <p:cNvPr id="1" name=""/>
+        <p:cNvGrpSpPr/>
+        <p:nvPr/>
+      </p:nvGrpSpPr>
+      <p:grpSpPr>
+        <a:xfrm>
+          <a:off x="0" y="0"/>
+          <a:ext cx="0" cy="0"/>
+          <a:chOff x="0" y="0"/>
+          <a:chExt cx="0" cy="0"/>
+        </a:xfrm>
+      </p:grpSpPr>
+      <p:sp>
+        <p:nvSpPr>
+          <p:cNvPr id="2" name="Title 1"/>
+          <p:cNvSpPr>
+            <a:spLocks noGrp="1"/>
+          </p:cNvSpPr>
+          <p:nvPr>
+            <p:ph type="title"/>
+          </p:nvPr>
+        </p:nvSpPr>
+        <p:spPr>
+          <a:xfrm>
+            <a:off x="593725" y="2224405"/>
+            <a:ext cx="7956550" cy="762000"/>
+          </a:xfrm>
+        </p:spPr>
+        <p:txBody>
+          <a:bodyPr>
+            <a:normAutofit/>
+          </a:bodyPr>
+          <a:lstStyle/>
+          <a:p>
+            <a:pPr algn="ctr"/>
+            <a:r>
+              <a:rPr lang="en-US" dirty="0" smtClean="0"/>
               <a:t>ANY QUESTIONS?</a:t>
             </a:r>
             <a:endParaRPr lang="en-SG" dirty="0"/>
@@ -8055,7 +8190,7 @@
 </p:sld>
 </file>
 
-<file path=ppt/slides/slide17.xml><?xml version="1.0" encoding="utf-8"?>
+<file path=ppt/slides/slide18.xml><?xml version="1.0" encoding="utf-8"?>
 <p:sld xmlns:a="http://schemas.openxmlformats.org/drawingml/2006/main" xmlns:r="http://schemas.openxmlformats.org/officeDocument/2006/relationships" xmlns:p="http://schemas.openxmlformats.org/presentationml/2006/main">
   <p:cSld>
     <p:spTree>
@@ -9456,7 +9591,7 @@
   <a:extraClrSchemeLst/>
   <a:extLst>
     <a:ext uri="{05A4C25C-085E-4340-85A3-A5531E510DB2}">
-      <thm15:themeFamily xmlns:thm15="http://schemas.microsoft.com/office/thememl/2012/main" xmlns="" name="Vapor Trail" id="{4FDF2955-7D9C-493C-B9F9-C205151B46CD}" vid="{FE1EB5C7-81A8-4CBA-AE6E-B3BF73DC3895}"/>
+      <thm15:themeFamily xmlns="" xmlns:thm15="http://schemas.microsoft.com/office/thememl/2012/main" name="Vapor Trail" id="{4FDF2955-7D9C-493C-B9F9-C205151B46CD}" vid="{FE1EB5C7-81A8-4CBA-AE6E-B3BF73DC3895}"/>
     </a:ext>
   </a:extLst>
 </a:theme>
